--- a/18_DeepCNN.pptx
+++ b/18_DeepCNN.pptx
@@ -5,7 +5,7 @@
     <p:sldMasterId id="2147483648" r:id="rId1"/>
   </p:sldMasterIdLst>
   <p:notesMasterIdLst>
-    <p:notesMasterId r:id="rId47"/>
+    <p:notesMasterId r:id="rId52"/>
   </p:notesMasterIdLst>
   <p:sldIdLst>
     <p:sldId id="256" r:id="rId2"/>
@@ -52,7 +52,12 @@
     <p:sldId id="363" r:id="rId43"/>
     <p:sldId id="350" r:id="rId44"/>
     <p:sldId id="351" r:id="rId45"/>
-    <p:sldId id="259" r:id="rId46"/>
+    <p:sldId id="364" r:id="rId46"/>
+    <p:sldId id="365" r:id="rId47"/>
+    <p:sldId id="366" r:id="rId48"/>
+    <p:sldId id="367" r:id="rId49"/>
+    <p:sldId id="368" r:id="rId50"/>
+    <p:sldId id="259" r:id="rId51"/>
   </p:sldIdLst>
   <p:sldSz cx="9144000" cy="6858000" type="screen4x3"/>
   <p:notesSz cx="6858000" cy="9144000"/>
@@ -253,7 +258,7 @@
             <a:fld id="{6837EDA8-41C8-4B24-A206-13C08A65A6D7}" type="datetimeFigureOut">
               <a:rPr lang="zh-TW" altLang="en-US" smtClean="0"/>
               <a:pPr/>
-              <a:t>2020/5/29</a:t>
+              <a:t>2020/5/30</a:t>
             </a:fld>
             <a:endParaRPr lang="zh-TW" altLang="en-US"/>
           </a:p>
@@ -706,7 +711,7 @@
             <a:fld id="{8B85509C-BD4F-47BF-9B1E-FC2E949B3621}" type="datetime1">
               <a:rPr lang="zh-TW" altLang="en-US" smtClean="0"/>
               <a:pPr/>
-              <a:t>2020/5/29</a:t>
+              <a:t>2020/5/30</a:t>
             </a:fld>
             <a:endParaRPr lang="zh-TW" altLang="en-US"/>
           </a:p>
@@ -879,7 +884,7 @@
             <a:fld id="{42251B24-F787-4C15-8A0F-7AEC20C70069}" type="datetime1">
               <a:rPr lang="zh-TW" altLang="en-US" smtClean="0"/>
               <a:pPr/>
-              <a:t>2020/5/29</a:t>
+              <a:t>2020/5/30</a:t>
             </a:fld>
             <a:endParaRPr lang="zh-TW" altLang="en-US"/>
           </a:p>
@@ -1054,7 +1059,7 @@
             <a:fld id="{9CA0D33C-CE2B-45F1-B8D4-FFD1F131F331}" type="datetime1">
               <a:rPr lang="zh-TW" altLang="en-US" smtClean="0"/>
               <a:pPr/>
-              <a:t>2020/5/29</a:t>
+              <a:t>2020/5/30</a:t>
             </a:fld>
             <a:endParaRPr lang="zh-TW" altLang="en-US"/>
           </a:p>
@@ -1219,7 +1224,7 @@
             <a:fld id="{50B99440-D9EF-40CC-9B52-F6428D9B2C76}" type="datetime1">
               <a:rPr lang="zh-TW" altLang="en-US" smtClean="0"/>
               <a:pPr/>
-              <a:t>2020/5/29</a:t>
+              <a:t>2020/5/30</a:t>
             </a:fld>
             <a:endParaRPr lang="zh-TW" altLang="en-US"/>
           </a:p>
@@ -1461,7 +1466,7 @@
             <a:fld id="{0871BF52-5C6C-4959-8E27-CECB68D39FE4}" type="datetime1">
               <a:rPr lang="zh-TW" altLang="en-US" smtClean="0"/>
               <a:pPr/>
-              <a:t>2020/5/29</a:t>
+              <a:t>2020/5/30</a:t>
             </a:fld>
             <a:endParaRPr lang="zh-TW" altLang="en-US"/>
           </a:p>
@@ -1743,7 +1748,7 @@
             <a:fld id="{DF863F05-2DD9-4EB1-A827-12FD992DE9DC}" type="datetime1">
               <a:rPr lang="zh-TW" altLang="en-US" smtClean="0"/>
               <a:pPr/>
-              <a:t>2020/5/29</a:t>
+              <a:t>2020/5/30</a:t>
             </a:fld>
             <a:endParaRPr lang="zh-TW" altLang="en-US"/>
           </a:p>
@@ -2159,7 +2164,7 @@
             <a:fld id="{6339AF51-4491-4873-A096-75DB6CE47516}" type="datetime1">
               <a:rPr lang="zh-TW" altLang="en-US" smtClean="0"/>
               <a:pPr/>
-              <a:t>2020/5/29</a:t>
+              <a:t>2020/5/30</a:t>
             </a:fld>
             <a:endParaRPr lang="zh-TW" altLang="en-US"/>
           </a:p>
@@ -2273,7 +2278,7 @@
             <a:fld id="{EE4AD9C8-8B9E-40FF-ABE2-858AC2057BBB}" type="datetime1">
               <a:rPr lang="zh-TW" altLang="en-US" smtClean="0"/>
               <a:pPr/>
-              <a:t>2020/5/29</a:t>
+              <a:t>2020/5/30</a:t>
             </a:fld>
             <a:endParaRPr lang="zh-TW" altLang="en-US"/>
           </a:p>
@@ -2365,7 +2370,7 @@
             <a:fld id="{B4784999-BBBE-4BE4-A8D0-877E7D1D66CC}" type="datetime1">
               <a:rPr lang="zh-TW" altLang="en-US" smtClean="0"/>
               <a:pPr/>
-              <a:t>2020/5/29</a:t>
+              <a:t>2020/5/30</a:t>
             </a:fld>
             <a:endParaRPr lang="zh-TW" altLang="en-US"/>
           </a:p>
@@ -2637,7 +2642,7 @@
             <a:fld id="{E88D17E6-02BD-4944-B9FE-7BFCCBF83D48}" type="datetime1">
               <a:rPr lang="zh-TW" altLang="en-US" smtClean="0"/>
               <a:pPr/>
-              <a:t>2020/5/29</a:t>
+              <a:t>2020/5/30</a:t>
             </a:fld>
             <a:endParaRPr lang="zh-TW" altLang="en-US"/>
           </a:p>
@@ -2886,7 +2891,7 @@
             <a:fld id="{3C13E23D-1FEF-4D78-A3A3-3D6F2BB31954}" type="datetime1">
               <a:rPr lang="zh-TW" altLang="en-US" smtClean="0"/>
               <a:pPr/>
-              <a:t>2020/5/29</a:t>
+              <a:t>2020/5/30</a:t>
             </a:fld>
             <a:endParaRPr lang="zh-TW" altLang="en-US"/>
           </a:p>
@@ -3094,7 +3099,7 @@
             <a:fld id="{06197F35-AD6F-4594-8B50-334492D2E7E8}" type="datetime1">
               <a:rPr lang="zh-TW" altLang="en-US" smtClean="0"/>
               <a:pPr/>
-              <a:t>2020/5/29</a:t>
+              <a:t>2020/5/30</a:t>
             </a:fld>
             <a:endParaRPr lang="zh-TW" altLang="en-US"/>
           </a:p>
@@ -3555,7 +3560,7 @@
             <a:fld id="{C389EDC9-19E3-47AC-9C57-C6A24DEA81AD}" type="datetime1">
               <a:rPr lang="zh-TW" altLang="en-US" smtClean="0"/>
               <a:pPr/>
-              <a:t>2020/5/29</a:t>
+              <a:t>2020/5/30</a:t>
             </a:fld>
             <a:endParaRPr lang="zh-TW" altLang="en-US"/>
           </a:p>
@@ -3915,7 +3920,7 @@
             <a:fld id="{A4F910E6-8D00-4BAF-8C48-9688E0B449D3}" type="datetime1">
               <a:rPr lang="zh-TW" altLang="en-US" smtClean="0"/>
               <a:pPr/>
-              <a:t>2020/5/29</a:t>
+              <a:t>2020/5/30</a:t>
             </a:fld>
             <a:endParaRPr lang="zh-TW" altLang="en-US"/>
           </a:p>
@@ -4241,7 +4246,7 @@
             <a:fld id="{C389EDC9-19E3-47AC-9C57-C6A24DEA81AD}" type="datetime1">
               <a:rPr lang="zh-TW" altLang="en-US" smtClean="0"/>
               <a:pPr/>
-              <a:t>2020/5/29</a:t>
+              <a:t>2020/5/30</a:t>
             </a:fld>
             <a:endParaRPr lang="zh-TW" altLang="en-US"/>
           </a:p>
@@ -4605,7 +4610,7 @@
             <a:fld id="{A4F910E6-8D00-4BAF-8C48-9688E0B449D3}" type="datetime1">
               <a:rPr lang="zh-TW" altLang="en-US" smtClean="0"/>
               <a:pPr/>
-              <a:t>2020/5/29</a:t>
+              <a:t>2020/5/30</a:t>
             </a:fld>
             <a:endParaRPr lang="zh-TW" altLang="en-US"/>
           </a:p>
@@ -5289,7 +5294,7 @@
             <a:fld id="{C389EDC9-19E3-47AC-9C57-C6A24DEA81AD}" type="datetime1">
               <a:rPr lang="zh-TW" altLang="en-US" smtClean="0"/>
               <a:pPr/>
-              <a:t>2020/5/29</a:t>
+              <a:t>2020/5/30</a:t>
             </a:fld>
             <a:endParaRPr lang="zh-TW" altLang="en-US"/>
           </a:p>
@@ -5603,7 +5608,7 @@
             <a:fld id="{A4F910E6-8D00-4BAF-8C48-9688E0B449D3}" type="datetime1">
               <a:rPr lang="zh-TW" altLang="en-US" smtClean="0"/>
               <a:pPr/>
-              <a:t>2020/5/29</a:t>
+              <a:t>2020/5/30</a:t>
             </a:fld>
             <a:endParaRPr lang="zh-TW" altLang="en-US"/>
           </a:p>
@@ -6325,7 +6330,7 @@
             <a:fld id="{A4F910E6-8D00-4BAF-8C48-9688E0B449D3}" type="datetime1">
               <a:rPr lang="zh-TW" altLang="en-US" smtClean="0"/>
               <a:pPr/>
-              <a:t>2020/5/29</a:t>
+              <a:t>2020/5/30</a:t>
             </a:fld>
             <a:endParaRPr lang="zh-TW" altLang="en-US"/>
           </a:p>
@@ -6609,7 +6614,7 @@
             <a:fld id="{A4F910E6-8D00-4BAF-8C48-9688E0B449D3}" type="datetime1">
               <a:rPr lang="zh-TW" altLang="en-US" smtClean="0"/>
               <a:pPr/>
-              <a:t>2020/5/29</a:t>
+              <a:t>2020/5/30</a:t>
             </a:fld>
             <a:endParaRPr lang="zh-TW" altLang="en-US"/>
           </a:p>
@@ -7454,7 +7459,7 @@
             <a:fld id="{C389EDC9-19E3-47AC-9C57-C6A24DEA81AD}" type="datetime1">
               <a:rPr lang="zh-TW" altLang="en-US" smtClean="0"/>
               <a:pPr/>
-              <a:t>2020/5/29</a:t>
+              <a:t>2020/5/30</a:t>
             </a:fld>
             <a:endParaRPr lang="zh-TW" altLang="en-US"/>
           </a:p>
@@ -7884,7 +7889,7 @@
             <a:fld id="{A4F910E6-8D00-4BAF-8C48-9688E0B449D3}" type="datetime1">
               <a:rPr lang="zh-TW" altLang="en-US" smtClean="0"/>
               <a:pPr/>
-              <a:t>2020/5/29</a:t>
+              <a:t>2020/5/30</a:t>
             </a:fld>
             <a:endParaRPr lang="zh-TW" altLang="en-US"/>
           </a:p>
@@ -8329,7 +8334,7 @@
             <a:fld id="{A4F910E6-8D00-4BAF-8C48-9688E0B449D3}" type="datetime1">
               <a:rPr lang="zh-TW" altLang="en-US" smtClean="0"/>
               <a:pPr/>
-              <a:t>2020/5/29</a:t>
+              <a:t>2020/5/30</a:t>
             </a:fld>
             <a:endParaRPr lang="zh-TW" altLang="en-US"/>
           </a:p>
@@ -9049,7 +9054,7 @@
             <a:fld id="{A4F910E6-8D00-4BAF-8C48-9688E0B449D3}" type="datetime1">
               <a:rPr lang="zh-TW" altLang="en-US" smtClean="0"/>
               <a:pPr/>
-              <a:t>2020/5/29</a:t>
+              <a:t>2020/5/30</a:t>
             </a:fld>
             <a:endParaRPr lang="zh-TW" altLang="en-US"/>
           </a:p>
@@ -9570,7 +9575,7 @@
             <a:fld id="{A4F910E6-8D00-4BAF-8C48-9688E0B449D3}" type="datetime1">
               <a:rPr lang="zh-TW" altLang="en-US" smtClean="0"/>
               <a:pPr/>
-              <a:t>2020/5/29</a:t>
+              <a:t>2020/5/30</a:t>
             </a:fld>
             <a:endParaRPr lang="zh-TW" altLang="en-US"/>
           </a:p>
@@ -10187,7 +10192,7 @@
             <a:fld id="{A4F910E6-8D00-4BAF-8C48-9688E0B449D3}" type="datetime1">
               <a:rPr lang="zh-TW" altLang="en-US" smtClean="0"/>
               <a:pPr/>
-              <a:t>2020/5/29</a:t>
+              <a:t>2020/5/30</a:t>
             </a:fld>
             <a:endParaRPr lang="zh-TW" altLang="en-US"/>
           </a:p>
@@ -10306,7 +10311,7 @@
             <a:fld id="{C389EDC9-19E3-47AC-9C57-C6A24DEA81AD}" type="datetime1">
               <a:rPr lang="zh-TW" altLang="en-US" smtClean="0"/>
               <a:pPr/>
-              <a:t>2020/5/29</a:t>
+              <a:t>2020/5/30</a:t>
             </a:fld>
             <a:endParaRPr lang="zh-TW" altLang="en-US"/>
           </a:p>
@@ -10620,7 +10625,7 @@
             <a:fld id="{A4F910E6-8D00-4BAF-8C48-9688E0B449D3}" type="datetime1">
               <a:rPr lang="zh-TW" altLang="en-US" smtClean="0"/>
               <a:pPr/>
-              <a:t>2020/5/29</a:t>
+              <a:t>2020/5/30</a:t>
             </a:fld>
             <a:endParaRPr lang="zh-TW" altLang="en-US"/>
           </a:p>
@@ -11193,7 +11198,7 @@
             <a:fld id="{A4F910E6-8D00-4BAF-8C48-9688E0B449D3}" type="datetime1">
               <a:rPr lang="zh-TW" altLang="en-US" smtClean="0"/>
               <a:pPr/>
-              <a:t>2020/5/29</a:t>
+              <a:t>2020/5/30</a:t>
             </a:fld>
             <a:endParaRPr lang="zh-TW" altLang="en-US"/>
           </a:p>
@@ -11477,7 +11482,7 @@
             <a:fld id="{A4F910E6-8D00-4BAF-8C48-9688E0B449D3}" type="datetime1">
               <a:rPr lang="zh-TW" altLang="en-US" smtClean="0"/>
               <a:pPr/>
-              <a:t>2020/5/29</a:t>
+              <a:t>2020/5/30</a:t>
             </a:fld>
             <a:endParaRPr lang="zh-TW" altLang="en-US"/>
           </a:p>
@@ -11866,7 +11871,7 @@
             <a:fld id="{A4F910E6-8D00-4BAF-8C48-9688E0B449D3}" type="datetime1">
               <a:rPr lang="zh-TW" altLang="en-US" smtClean="0"/>
               <a:pPr/>
-              <a:t>2020/5/29</a:t>
+              <a:t>2020/5/30</a:t>
             </a:fld>
             <a:endParaRPr lang="zh-TW" altLang="en-US"/>
           </a:p>
@@ -12373,7 +12378,7 @@
             <a:fld id="{A4F910E6-8D00-4BAF-8C48-9688E0B449D3}" type="datetime1">
               <a:rPr lang="zh-TW" altLang="en-US" smtClean="0"/>
               <a:pPr/>
-              <a:t>2020/5/29</a:t>
+              <a:t>2020/5/30</a:t>
             </a:fld>
             <a:endParaRPr lang="zh-TW" altLang="en-US"/>
           </a:p>
@@ -12866,7 +12871,7 @@
             <a:fld id="{A4F910E6-8D00-4BAF-8C48-9688E0B449D3}" type="datetime1">
               <a:rPr lang="zh-TW" altLang="en-US" smtClean="0"/>
               <a:pPr/>
-              <a:t>2020/5/29</a:t>
+              <a:t>2020/5/30</a:t>
             </a:fld>
             <a:endParaRPr lang="zh-TW" altLang="en-US"/>
           </a:p>
@@ -13271,7 +13276,7 @@
             <a:fld id="{A4F910E6-8D00-4BAF-8C48-9688E0B449D3}" type="datetime1">
               <a:rPr lang="zh-TW" altLang="en-US" smtClean="0"/>
               <a:pPr/>
-              <a:t>2020/5/29</a:t>
+              <a:t>2020/5/30</a:t>
             </a:fld>
             <a:endParaRPr lang="zh-TW" altLang="en-US"/>
           </a:p>
@@ -13477,7 +13482,7 @@
             <a:fld id="{C389EDC9-19E3-47AC-9C57-C6A24DEA81AD}" type="datetime1">
               <a:rPr lang="zh-TW" altLang="en-US" smtClean="0"/>
               <a:pPr/>
-              <a:t>2020/5/29</a:t>
+              <a:t>2020/5/30</a:t>
             </a:fld>
             <a:endParaRPr lang="zh-TW" altLang="en-US"/>
           </a:p>
@@ -13827,7 +13832,7 @@
             <a:fld id="{A4F910E6-8D00-4BAF-8C48-9688E0B449D3}" type="datetime1">
               <a:rPr lang="zh-TW" altLang="en-US" smtClean="0"/>
               <a:pPr/>
-              <a:t>2020/5/29</a:t>
+              <a:t>2020/5/30</a:t>
             </a:fld>
             <a:endParaRPr lang="zh-TW" altLang="en-US"/>
           </a:p>
@@ -13981,7 +13986,7 @@
             <a:fld id="{C389EDC9-19E3-47AC-9C57-C6A24DEA81AD}" type="datetime1">
               <a:rPr lang="zh-TW" altLang="en-US" smtClean="0"/>
               <a:pPr/>
-              <a:t>2020/5/29</a:t>
+              <a:t>2020/5/30</a:t>
             </a:fld>
             <a:endParaRPr lang="zh-TW" altLang="en-US"/>
           </a:p>
@@ -14295,7 +14300,7 @@
             <a:fld id="{A4F910E6-8D00-4BAF-8C48-9688E0B449D3}" type="datetime1">
               <a:rPr lang="zh-TW" altLang="en-US" smtClean="0"/>
               <a:pPr/>
-              <a:t>2020/5/29</a:t>
+              <a:t>2020/5/30</a:t>
             </a:fld>
             <a:endParaRPr lang="zh-TW" altLang="en-US"/>
           </a:p>
@@ -14664,7 +14669,7 @@
             <a:fld id="{A4F910E6-8D00-4BAF-8C48-9688E0B449D3}" type="datetime1">
               <a:rPr lang="zh-TW" altLang="en-US" smtClean="0"/>
               <a:pPr/>
-              <a:t>2020/5/29</a:t>
+              <a:t>2020/5/30</a:t>
             </a:fld>
             <a:endParaRPr lang="zh-TW" altLang="en-US"/>
           </a:p>
@@ -15137,7 +15142,7 @@
             <a:fld id="{A4F910E6-8D00-4BAF-8C48-9688E0B449D3}" type="datetime1">
               <a:rPr lang="zh-TW" altLang="en-US" smtClean="0"/>
               <a:pPr/>
-              <a:t>2020/5/29</a:t>
+              <a:t>2020/5/30</a:t>
             </a:fld>
             <a:endParaRPr lang="zh-TW" altLang="en-US"/>
           </a:p>
@@ -15610,7 +15615,7 @@
             <a:fld id="{A4F910E6-8D00-4BAF-8C48-9688E0B449D3}" type="datetime1">
               <a:rPr lang="zh-TW" altLang="en-US" smtClean="0"/>
               <a:pPr/>
-              <a:t>2020/5/29</a:t>
+              <a:t>2020/5/30</a:t>
             </a:fld>
             <a:endParaRPr lang="zh-TW" altLang="en-US"/>
           </a:p>
@@ -16084,7 +16089,7 @@
             <a:fld id="{A4F910E6-8D00-4BAF-8C48-9688E0B449D3}" type="datetime1">
               <a:rPr lang="zh-TW" altLang="en-US" smtClean="0"/>
               <a:pPr/>
-              <a:t>2020/5/29</a:t>
+              <a:t>2020/5/30</a:t>
             </a:fld>
             <a:endParaRPr lang="zh-TW" altLang="en-US"/>
           </a:p>
@@ -16508,7 +16513,7 @@
             <a:fld id="{A4F910E6-8D00-4BAF-8C48-9688E0B449D3}" type="datetime1">
               <a:rPr lang="zh-TW" altLang="en-US" smtClean="0"/>
               <a:pPr/>
-              <a:t>2020/5/29</a:t>
+              <a:t>2020/5/30</a:t>
             </a:fld>
             <a:endParaRPr lang="zh-TW" altLang="en-US"/>
           </a:p>
@@ -17189,7 +17194,7 @@
             <a:fld id="{A4F910E6-8D00-4BAF-8C48-9688E0B449D3}" type="datetime1">
               <a:rPr lang="zh-TW" altLang="en-US" smtClean="0"/>
               <a:pPr/>
-              <a:t>2020/5/29</a:t>
+              <a:t>2020/5/30</a:t>
             </a:fld>
             <a:endParaRPr lang="zh-TW" altLang="en-US"/>
           </a:p>
@@ -17854,7 +17859,7 @@
             <a:fld id="{A4F910E6-8D00-4BAF-8C48-9688E0B449D3}" type="datetime1">
               <a:rPr lang="zh-TW" altLang="en-US" smtClean="0"/>
               <a:pPr/>
-              <a:t>2020/5/29</a:t>
+              <a:t>2020/5/30</a:t>
             </a:fld>
             <a:endParaRPr lang="zh-TW" altLang="en-US"/>
           </a:p>
@@ -18225,7 +18230,7 @@
             <a:fld id="{A4F910E6-8D00-4BAF-8C48-9688E0B449D3}" type="datetime1">
               <a:rPr lang="zh-TW" altLang="en-US" smtClean="0"/>
               <a:pPr/>
-              <a:t>2020/5/29</a:t>
+              <a:t>2020/5/30</a:t>
             </a:fld>
             <a:endParaRPr lang="zh-TW" altLang="en-US"/>
           </a:p>
@@ -18883,7 +18888,7 @@
             <a:fld id="{A4F910E6-8D00-4BAF-8C48-9688E0B449D3}" type="datetime1">
               <a:rPr lang="zh-TW" altLang="en-US" smtClean="0"/>
               <a:pPr/>
-              <a:t>2020/5/29</a:t>
+              <a:t>2020/5/30</a:t>
             </a:fld>
             <a:endParaRPr lang="zh-TW" altLang="en-US"/>
           </a:p>
@@ -19359,7 +19364,7 @@
             <a:fld id="{A4F910E6-8D00-4BAF-8C48-9688E0B449D3}" type="datetime1">
               <a:rPr lang="zh-TW" altLang="en-US" smtClean="0"/>
               <a:pPr/>
-              <a:t>2020/5/29</a:t>
+              <a:t>2020/5/30</a:t>
             </a:fld>
             <a:endParaRPr lang="zh-TW" altLang="en-US"/>
           </a:p>
@@ -19652,7 +19657,7 @@
             <a:fld id="{C389EDC9-19E3-47AC-9C57-C6A24DEA81AD}" type="datetime1">
               <a:rPr lang="zh-TW" altLang="en-US" smtClean="0"/>
               <a:pPr/>
-              <a:t>2020/5/29</a:t>
+              <a:t>2020/5/30</a:t>
             </a:fld>
             <a:endParaRPr lang="zh-TW" altLang="en-US"/>
           </a:p>
@@ -19966,7 +19971,7 @@
             <a:fld id="{A4F910E6-8D00-4BAF-8C48-9688E0B449D3}" type="datetime1">
               <a:rPr lang="zh-TW" altLang="en-US" smtClean="0"/>
               <a:pPr/>
-              <a:t>2020/5/29</a:t>
+              <a:t>2020/5/30</a:t>
             </a:fld>
             <a:endParaRPr lang="zh-TW" altLang="en-US"/>
           </a:p>
@@ -20780,7 +20785,7 @@
             <a:fld id="{A4F910E6-8D00-4BAF-8C48-9688E0B449D3}" type="datetime1">
               <a:rPr lang="zh-TW" altLang="en-US" smtClean="0"/>
               <a:pPr/>
-              <a:t>2020/5/29</a:t>
+              <a:t>2020/5/30</a:t>
             </a:fld>
             <a:endParaRPr lang="zh-TW" altLang="en-US"/>
           </a:p>
@@ -21445,32 +21450,9 @@
             <a:off x="0" y="2130425"/>
             <a:ext cx="9144000" cy="1470025"/>
           </a:xfrm>
-          <a:gradFill flip="none" rotWithShape="1">
-            <a:gsLst>
-              <a:gs pos="0">
-                <a:srgbClr val="00B0F0">
-                  <a:shade val="30000"/>
-                  <a:satMod val="115000"/>
-                </a:srgbClr>
-              </a:gs>
-              <a:gs pos="50000">
-                <a:srgbClr val="00B0F0">
-                  <a:shade val="67500"/>
-                  <a:satMod val="115000"/>
-                </a:srgbClr>
-              </a:gs>
-              <a:gs pos="100000">
-                <a:srgbClr val="00B0F0">
-                  <a:shade val="100000"/>
-                  <a:satMod val="115000"/>
-                </a:srgbClr>
-              </a:gs>
-            </a:gsLst>
-            <a:path path="circle">
-              <a:fillToRect t="100000" r="100000"/>
-            </a:path>
-            <a:tileRect l="-100000" b="-100000"/>
-          </a:gradFill>
+          <a:solidFill>
+            <a:srgbClr val="00B0F0"/>
+          </a:solidFill>
         </p:spPr>
         <p:txBody>
           <a:bodyPr>
@@ -21479,126 +21461,12 @@
           <a:lstStyle/>
           <a:p>
             <a:r>
-              <a:rPr lang="en-US" altLang="zh-TW" sz="6000" b="1" dirty="0">
+              <a:rPr lang="en-US" altLang="zh-TW" sz="4800" b="1" dirty="0">
                 <a:solidFill>
                   <a:srgbClr val="FFFF00"/>
                 </a:solidFill>
               </a:rPr>
-              <a:t>End of Chapter</a:t>
-            </a:r>
-            <a:endParaRPr lang="zh-TW" altLang="en-US" sz="6000" b="1" dirty="0">
-              <a:solidFill>
-                <a:srgbClr val="FFFF00"/>
-              </a:solidFill>
-            </a:endParaRPr>
-          </a:p>
-        </p:txBody>
-      </p:sp>
-      <p:sp>
-        <p:nvSpPr>
-          <p:cNvPr id="5" name="日期版面配置區 4"/>
-          <p:cNvSpPr>
-            <a:spLocks noGrp="1"/>
-          </p:cNvSpPr>
-          <p:nvPr>
-            <p:ph type="dt" sz="half" idx="10"/>
-          </p:nvPr>
-        </p:nvSpPr>
-        <p:spPr/>
-        <p:txBody>
-          <a:bodyPr/>
-          <a:lstStyle/>
-          <a:p>
-            <a:fld id="{4E46BE27-E923-4EC2-B046-3272AE2A3E5C}" type="datetime1">
-              <a:rPr lang="zh-TW" altLang="en-US" smtClean="0"/>
-              <a:pPr/>
-              <a:t>2020/5/29</a:t>
-            </a:fld>
-            <a:endParaRPr lang="zh-TW" altLang="en-US"/>
-          </a:p>
-        </p:txBody>
-      </p:sp>
-      <p:sp>
-        <p:nvSpPr>
-          <p:cNvPr id="6" name="投影片編號版面配置區 5"/>
-          <p:cNvSpPr>
-            <a:spLocks noGrp="1"/>
-          </p:cNvSpPr>
-          <p:nvPr>
-            <p:ph type="sldNum" sz="quarter" idx="12"/>
-          </p:nvPr>
-        </p:nvSpPr>
-        <p:spPr/>
-        <p:txBody>
-          <a:bodyPr/>
-          <a:lstStyle/>
-          <a:p>
-            <a:fld id="{E4D7E63D-91F2-4366-A2C4-1B00C9E2590E}" type="slidenum">
-              <a:rPr lang="zh-TW" altLang="en-US" smtClean="0"/>
-              <a:pPr/>
-              <a:t>45</a:t>
-            </a:fld>
-            <a:endParaRPr lang="zh-TW" altLang="en-US"/>
-          </a:p>
-        </p:txBody>
-      </p:sp>
-    </p:spTree>
-  </p:cSld>
-  <p:clrMapOvr>
-    <a:masterClrMapping/>
-  </p:clrMapOvr>
-</p:sld>
-</file>
-
-<file path=ppt/slides/slide5.xml><?xml version="1.0" encoding="utf-8"?>
-<p:sld xmlns:a="http://schemas.openxmlformats.org/drawingml/2006/main" xmlns:r="http://schemas.openxmlformats.org/officeDocument/2006/relationships" xmlns:p="http://schemas.openxmlformats.org/presentationml/2006/main">
-  <p:cSld>
-    <p:spTree>
-      <p:nvGrpSpPr>
-        <p:cNvPr id="1" name=""/>
-        <p:cNvGrpSpPr/>
-        <p:nvPr/>
-      </p:nvGrpSpPr>
-      <p:grpSpPr>
-        <a:xfrm>
-          <a:off x="0" y="0"/>
-          <a:ext cx="0" cy="0"/>
-          <a:chOff x="0" y="0"/>
-          <a:chExt cx="0" cy="0"/>
-        </a:xfrm>
-      </p:grpSpPr>
-      <p:sp>
-        <p:nvSpPr>
-          <p:cNvPr id="2" name="標題 1"/>
-          <p:cNvSpPr>
-            <a:spLocks noGrp="1"/>
-          </p:cNvSpPr>
-          <p:nvPr>
-            <p:ph type="ctrTitle"/>
-          </p:nvPr>
-        </p:nvSpPr>
-        <p:spPr>
-          <a:xfrm>
-            <a:off x="0" y="2130425"/>
-            <a:ext cx="9144000" cy="1470025"/>
-          </a:xfrm>
-          <a:solidFill>
-            <a:srgbClr val="00B0F0"/>
-          </a:solidFill>
-        </p:spPr>
-        <p:txBody>
-          <a:bodyPr>
-            <a:normAutofit/>
-          </a:bodyPr>
-          <a:lstStyle/>
-          <a:p>
-            <a:r>
-              <a:rPr lang="en-US" altLang="zh-TW" sz="4800" b="1" dirty="0">
-                <a:solidFill>
-                  <a:srgbClr val="FFFF00"/>
-                </a:solidFill>
-              </a:rPr>
-              <a:t>18.1 Define Layers</a:t>
+              <a:t>18.10 Quiz</a:t>
             </a:r>
             <a:endParaRPr lang="zh-TW" altLang="en-US" sz="4800" b="1" dirty="0">
               <a:solidFill>
@@ -21626,7 +21494,7 @@
             <a:fld id="{C389EDC9-19E3-47AC-9C57-C6A24DEA81AD}" type="datetime1">
               <a:rPr lang="zh-TW" altLang="en-US" smtClean="0"/>
               <a:pPr/>
-              <a:t>2020/5/29</a:t>
+              <a:t>2020/5/30</a:t>
             </a:fld>
             <a:endParaRPr lang="zh-TW" altLang="en-US"/>
           </a:p>
@@ -21650,7 +21518,7 @@
             <a:fld id="{E4D7E63D-91F2-4366-A2C4-1B00C9E2590E}" type="slidenum">
               <a:rPr lang="zh-TW" altLang="en-US" smtClean="0"/>
               <a:pPr/>
-              <a:t>5</a:t>
+              <a:t>45</a:t>
             </a:fld>
             <a:endParaRPr lang="zh-TW" altLang="en-US"/>
           </a:p>
@@ -21689,7 +21557,7 @@
     </p:spTree>
     <p:extLst>
       <p:ext uri="{BB962C8B-B14F-4D97-AF65-F5344CB8AC3E}">
-        <p14:creationId xmlns:p14="http://schemas.microsoft.com/office/powerpoint/2010/main" val="1633334269"/>
+        <p14:creationId xmlns:p14="http://schemas.microsoft.com/office/powerpoint/2010/main" val="2852332210"/>
       </p:ext>
     </p:extLst>
   </p:cSld>
@@ -21699,7 +21567,7 @@
 </p:sld>
 </file>
 
-<file path=ppt/slides/slide6.xml><?xml version="1.0" encoding="utf-8"?>
+<file path=ppt/slides/slide46.xml><?xml version="1.0" encoding="utf-8"?>
 <p:sld xmlns:a="http://schemas.openxmlformats.org/drawingml/2006/main" xmlns:r="http://schemas.openxmlformats.org/officeDocument/2006/relationships" xmlns:p="http://schemas.openxmlformats.org/presentationml/2006/main">
   <p:cSld>
     <p:spTree>
@@ -21771,7 +21639,7 @@
                   <a:srgbClr val="FFFF00"/>
                 </a:solidFill>
               </a:rPr>
-              <a:t>18 Deep CNN (Part 2)</a:t>
+              <a:t>18.10 Quiz</a:t>
             </a:r>
             <a:endParaRPr lang="zh-TW" altLang="en-US" b="1" dirty="0">
               <a:solidFill>
@@ -21793,8 +21661,8 @@
         </p:nvSpPr>
         <p:spPr>
           <a:xfrm>
-            <a:off x="457200" y="1325450"/>
-            <a:ext cx="8352928" cy="717377"/>
+            <a:off x="486860" y="1340767"/>
+            <a:ext cx="1276828" cy="360040"/>
           </a:xfrm>
           <a:ln>
             <a:solidFill>
@@ -21822,41 +21690,7 @@
                   <a:schemeClr val="tx1"/>
                 </a:solidFill>
               </a:rPr>
-              <a:t>Build CNN</a:t>
-            </a:r>
-          </a:p>
-          <a:p>
-            <a:pPr marL="342900" indent="-342900" algn="l">
-              <a:buClr>
-                <a:srgbClr val="0070C0"/>
-              </a:buClr>
-              <a:buSzPct val="80000"/>
-              <a:buFont typeface="Wingdings" pitchFamily="2" charset="2"/>
-              <a:buChar char="u"/>
-            </a:pPr>
-            <a:r>
-              <a:rPr lang="en-US" sz="1800" dirty="0">
-                <a:solidFill>
-                  <a:schemeClr val="tx1"/>
-                </a:solidFill>
-              </a:rPr>
-              <a:t>In torch/</a:t>
-            </a:r>
-            <a:r>
-              <a:rPr lang="en-US" sz="1800" dirty="0" err="1">
-                <a:solidFill>
-                  <a:schemeClr val="tx1"/>
-                </a:solidFill>
-              </a:rPr>
-              <a:t>nn</a:t>
-            </a:r>
-            <a:r>
-              <a:rPr lang="en-US" sz="1800" dirty="0">
-                <a:solidFill>
-                  <a:schemeClr val="tx1"/>
-                </a:solidFill>
-              </a:rPr>
-              <a:t>/modules/linear.py:</a:t>
+              <a:t>Quiz</a:t>
             </a:r>
           </a:p>
         </p:txBody>
@@ -21956,7 +21790,1531 @@
             <a:fld id="{A4F910E6-8D00-4BAF-8C48-9688E0B449D3}" type="datetime1">
               <a:rPr lang="zh-TW" altLang="en-US" smtClean="0"/>
               <a:pPr/>
-              <a:t>2020/5/29</a:t>
+              <a:t>2020/5/30</a:t>
+            </a:fld>
+            <a:endParaRPr lang="zh-TW" altLang="en-US"/>
+          </a:p>
+        </p:txBody>
+      </p:sp>
+      <p:sp>
+        <p:nvSpPr>
+          <p:cNvPr id="6" name="投影片編號版面配置區 5"/>
+          <p:cNvSpPr>
+            <a:spLocks noGrp="1"/>
+          </p:cNvSpPr>
+          <p:nvPr>
+            <p:ph type="sldNum" sz="quarter" idx="12"/>
+          </p:nvPr>
+        </p:nvSpPr>
+        <p:spPr/>
+        <p:txBody>
+          <a:bodyPr/>
+          <a:lstStyle/>
+          <a:p>
+            <a:fld id="{E4D7E63D-91F2-4366-A2C4-1B00C9E2590E}" type="slidenum">
+              <a:rPr lang="zh-TW" altLang="en-US" smtClean="0"/>
+              <a:pPr/>
+              <a:t>46</a:t>
+            </a:fld>
+            <a:endParaRPr lang="zh-TW" altLang="en-US"/>
+          </a:p>
+        </p:txBody>
+      </p:sp>
+      <p:pic>
+        <p:nvPicPr>
+          <p:cNvPr id="7" name="Picture 6">
+            <a:extLst>
+              <a:ext uri="{FF2B5EF4-FFF2-40B4-BE49-F238E27FC236}">
+                <a16:creationId xmlns:a16="http://schemas.microsoft.com/office/drawing/2014/main" id="{8ADE2FA3-B5E6-4480-AA7B-0BB154ED8821}"/>
+              </a:ext>
+            </a:extLst>
+          </p:cNvPr>
+          <p:cNvPicPr>
+            <a:picLocks noChangeAspect="1"/>
+          </p:cNvPicPr>
+          <p:nvPr/>
+        </p:nvPicPr>
+        <p:blipFill>
+          <a:blip r:embed="rId3"/>
+          <a:stretch>
+            <a:fillRect/>
+          </a:stretch>
+        </p:blipFill>
+        <p:spPr>
+          <a:xfrm>
+            <a:off x="1968992" y="1340767"/>
+            <a:ext cx="6896100" cy="4905375"/>
+          </a:xfrm>
+          <a:prstGeom prst="rect">
+            <a:avLst/>
+          </a:prstGeom>
+          <a:ln>
+            <a:solidFill>
+              <a:srgbClr val="C00000"/>
+            </a:solidFill>
+          </a:ln>
+        </p:spPr>
+      </p:pic>
+    </p:spTree>
+    <p:extLst>
+      <p:ext uri="{BB962C8B-B14F-4D97-AF65-F5344CB8AC3E}">
+        <p14:creationId xmlns:p14="http://schemas.microsoft.com/office/powerpoint/2010/main" val="3565633418"/>
+      </p:ext>
+    </p:extLst>
+  </p:cSld>
+  <p:clrMapOvr>
+    <a:masterClrMapping/>
+  </p:clrMapOvr>
+</p:sld>
+</file>
+
+<file path=ppt/slides/slide47.xml><?xml version="1.0" encoding="utf-8"?>
+<p:sld xmlns:a="http://schemas.openxmlformats.org/drawingml/2006/main" xmlns:r="http://schemas.openxmlformats.org/officeDocument/2006/relationships" xmlns:p="http://schemas.openxmlformats.org/presentationml/2006/main">
+  <p:cSld>
+    <p:spTree>
+      <p:nvGrpSpPr>
+        <p:cNvPr id="1" name=""/>
+        <p:cNvGrpSpPr/>
+        <p:nvPr/>
+      </p:nvGrpSpPr>
+      <p:grpSpPr>
+        <a:xfrm>
+          <a:off x="0" y="0"/>
+          <a:ext cx="0" cy="0"/>
+          <a:chOff x="0" y="0"/>
+          <a:chExt cx="0" cy="0"/>
+        </a:xfrm>
+      </p:grpSpPr>
+      <p:sp>
+        <p:nvSpPr>
+          <p:cNvPr id="2" name="標題 1"/>
+          <p:cNvSpPr>
+            <a:spLocks noGrp="1"/>
+          </p:cNvSpPr>
+          <p:nvPr>
+            <p:ph type="ctrTitle"/>
+          </p:nvPr>
+        </p:nvSpPr>
+        <p:spPr>
+          <a:xfrm>
+            <a:off x="0" y="1"/>
+            <a:ext cx="9144000" cy="764704"/>
+          </a:xfrm>
+          <a:gradFill flip="none" rotWithShape="1">
+            <a:gsLst>
+              <a:gs pos="0">
+                <a:srgbClr val="C00000">
+                  <a:shade val="30000"/>
+                  <a:satMod val="115000"/>
+                </a:srgbClr>
+              </a:gs>
+              <a:gs pos="50000">
+                <a:srgbClr val="C00000">
+                  <a:shade val="67500"/>
+                  <a:satMod val="115000"/>
+                </a:srgbClr>
+              </a:gs>
+              <a:gs pos="100000">
+                <a:srgbClr val="C00000">
+                  <a:shade val="100000"/>
+                  <a:satMod val="115000"/>
+                </a:srgbClr>
+              </a:gs>
+            </a:gsLst>
+            <a:path path="circle">
+              <a:fillToRect t="100000" r="100000"/>
+            </a:path>
+            <a:tileRect l="-100000" b="-100000"/>
+          </a:gradFill>
+        </p:spPr>
+        <p:txBody>
+          <a:bodyPr>
+            <a:normAutofit/>
+          </a:bodyPr>
+          <a:lstStyle/>
+          <a:p>
+            <a:pPr algn="l"/>
+            <a:r>
+              <a:rPr lang="en-US" altLang="zh-TW" b="1" dirty="0">
+                <a:solidFill>
+                  <a:srgbClr val="FFFF00"/>
+                </a:solidFill>
+              </a:rPr>
+              <a:t>18.10 Quiz</a:t>
+            </a:r>
+            <a:endParaRPr lang="zh-TW" altLang="en-US" b="1" dirty="0">
+              <a:solidFill>
+                <a:srgbClr val="FFFF00"/>
+              </a:solidFill>
+            </a:endParaRPr>
+          </a:p>
+        </p:txBody>
+      </p:sp>
+      <p:sp>
+        <p:nvSpPr>
+          <p:cNvPr id="3" name="副標題 2"/>
+          <p:cNvSpPr>
+            <a:spLocks noGrp="1"/>
+          </p:cNvSpPr>
+          <p:nvPr>
+            <p:ph type="subTitle" idx="1"/>
+          </p:nvPr>
+        </p:nvSpPr>
+        <p:spPr>
+          <a:xfrm>
+            <a:off x="486860" y="1340767"/>
+            <a:ext cx="1708876" cy="360040"/>
+          </a:xfrm>
+          <a:ln>
+            <a:solidFill>
+              <a:srgbClr val="C00000"/>
+            </a:solidFill>
+          </a:ln>
+        </p:spPr>
+        <p:txBody>
+          <a:bodyPr>
+            <a:noAutofit/>
+          </a:bodyPr>
+          <a:lstStyle/>
+          <a:p>
+            <a:pPr marL="342900" indent="-342900" algn="l">
+              <a:buClr>
+                <a:srgbClr val="0070C0"/>
+              </a:buClr>
+              <a:buSzPct val="80000"/>
+              <a:buFont typeface="Wingdings" pitchFamily="2" charset="2"/>
+              <a:buChar char="u"/>
+            </a:pPr>
+            <a:r>
+              <a:rPr lang="en-US" sz="1800" b="1" dirty="0">
+                <a:solidFill>
+                  <a:schemeClr val="tx1"/>
+                </a:solidFill>
+              </a:rPr>
+              <a:t>Quiz</a:t>
+            </a:r>
+          </a:p>
+        </p:txBody>
+      </p:sp>
+      <p:sp>
+        <p:nvSpPr>
+          <p:cNvPr id="4" name="標題 1"/>
+          <p:cNvSpPr txBox="1">
+            <a:spLocks/>
+          </p:cNvSpPr>
+          <p:nvPr/>
+        </p:nvSpPr>
+        <p:spPr>
+          <a:xfrm>
+            <a:off x="0" y="764704"/>
+            <a:ext cx="9144000" cy="360040"/>
+          </a:xfrm>
+          <a:prstGeom prst="rect">
+            <a:avLst/>
+          </a:prstGeom>
+          <a:gradFill flip="none" rotWithShape="1">
+            <a:gsLst>
+              <a:gs pos="0">
+                <a:srgbClr val="00B0F0">
+                  <a:shade val="30000"/>
+                  <a:satMod val="115000"/>
+                </a:srgbClr>
+              </a:gs>
+              <a:gs pos="50000">
+                <a:srgbClr val="00B0F0">
+                  <a:shade val="67500"/>
+                  <a:satMod val="115000"/>
+                </a:srgbClr>
+              </a:gs>
+              <a:gs pos="100000">
+                <a:srgbClr val="00B0F0">
+                  <a:shade val="100000"/>
+                  <a:satMod val="115000"/>
+                </a:srgbClr>
+              </a:gs>
+            </a:gsLst>
+            <a:path path="circle">
+              <a:fillToRect t="100000" r="100000"/>
+            </a:path>
+            <a:tileRect l="-100000" b="-100000"/>
+          </a:gradFill>
+        </p:spPr>
+        <p:txBody>
+          <a:bodyPr vert="horz" lIns="91440" tIns="45720" rIns="91440" bIns="45720" rtlCol="0" anchor="ctr">
+            <a:normAutofit/>
+          </a:bodyPr>
+          <a:lstStyle/>
+          <a:p>
+            <a:pPr lvl="0">
+              <a:spcBef>
+                <a:spcPct val="0"/>
+              </a:spcBef>
+            </a:pPr>
+            <a:r>
+              <a:rPr lang="en-US" sz="1600" dirty="0">
+                <a:hlinkClick r:id="rId2"/>
+              </a:rPr>
+              <a:t>https://www.youtube.com/watch?v=IKOHHItzukk&amp;list=PLZbbT5o_s2xrfNyHZsM6ufI0iZENK9xgG&amp;index=18</a:t>
+            </a:r>
+            <a:endParaRPr kumimoji="0" lang="zh-TW" altLang="en-US" sz="1600" b="0" i="0" u="none" strike="noStrike" kern="1200" cap="none" spc="0" normalizeH="0" baseline="0" noProof="0" dirty="0">
+              <a:ln>
+                <a:noFill/>
+              </a:ln>
+              <a:solidFill>
+                <a:schemeClr val="tx1"/>
+              </a:solidFill>
+              <a:effectLst/>
+              <a:uLnTx/>
+              <a:uFillTx/>
+              <a:latin typeface="+mj-lt"/>
+              <a:ea typeface="+mj-ea"/>
+              <a:cs typeface="+mj-cs"/>
+            </a:endParaRPr>
+          </a:p>
+        </p:txBody>
+      </p:sp>
+      <p:sp>
+        <p:nvSpPr>
+          <p:cNvPr id="5" name="日期版面配置區 4"/>
+          <p:cNvSpPr>
+            <a:spLocks noGrp="1"/>
+          </p:cNvSpPr>
+          <p:nvPr>
+            <p:ph type="dt" sz="half" idx="10"/>
+          </p:nvPr>
+        </p:nvSpPr>
+        <p:spPr/>
+        <p:txBody>
+          <a:bodyPr/>
+          <a:lstStyle/>
+          <a:p>
+            <a:fld id="{A4F910E6-8D00-4BAF-8C48-9688E0B449D3}" type="datetime1">
+              <a:rPr lang="zh-TW" altLang="en-US" smtClean="0"/>
+              <a:pPr/>
+              <a:t>2020/5/30</a:t>
+            </a:fld>
+            <a:endParaRPr lang="zh-TW" altLang="en-US"/>
+          </a:p>
+        </p:txBody>
+      </p:sp>
+      <p:sp>
+        <p:nvSpPr>
+          <p:cNvPr id="6" name="投影片編號版面配置區 5"/>
+          <p:cNvSpPr>
+            <a:spLocks noGrp="1"/>
+          </p:cNvSpPr>
+          <p:nvPr>
+            <p:ph type="sldNum" sz="quarter" idx="12"/>
+          </p:nvPr>
+        </p:nvSpPr>
+        <p:spPr/>
+        <p:txBody>
+          <a:bodyPr/>
+          <a:lstStyle/>
+          <a:p>
+            <a:fld id="{E4D7E63D-91F2-4366-A2C4-1B00C9E2590E}" type="slidenum">
+              <a:rPr lang="zh-TW" altLang="en-US" smtClean="0"/>
+              <a:pPr/>
+              <a:t>47</a:t>
+            </a:fld>
+            <a:endParaRPr lang="zh-TW" altLang="en-US"/>
+          </a:p>
+        </p:txBody>
+      </p:sp>
+      <p:pic>
+        <p:nvPicPr>
+          <p:cNvPr id="8" name="Picture 7">
+            <a:extLst>
+              <a:ext uri="{FF2B5EF4-FFF2-40B4-BE49-F238E27FC236}">
+                <a16:creationId xmlns:a16="http://schemas.microsoft.com/office/drawing/2014/main" id="{091E745E-8346-4A96-A660-6D1A0F145A79}"/>
+              </a:ext>
+            </a:extLst>
+          </p:cNvPr>
+          <p:cNvPicPr>
+            <a:picLocks noChangeAspect="1"/>
+          </p:cNvPicPr>
+          <p:nvPr/>
+        </p:nvPicPr>
+        <p:blipFill>
+          <a:blip r:embed="rId3"/>
+          <a:stretch>
+            <a:fillRect/>
+          </a:stretch>
+        </p:blipFill>
+        <p:spPr>
+          <a:xfrm>
+            <a:off x="2339752" y="1340767"/>
+            <a:ext cx="6539897" cy="4939032"/>
+          </a:xfrm>
+          <a:prstGeom prst="rect">
+            <a:avLst/>
+          </a:prstGeom>
+          <a:ln>
+            <a:solidFill>
+              <a:srgbClr val="C00000"/>
+            </a:solidFill>
+          </a:ln>
+        </p:spPr>
+      </p:pic>
+    </p:spTree>
+    <p:extLst>
+      <p:ext uri="{BB962C8B-B14F-4D97-AF65-F5344CB8AC3E}">
+        <p14:creationId xmlns:p14="http://schemas.microsoft.com/office/powerpoint/2010/main" val="1797066269"/>
+      </p:ext>
+    </p:extLst>
+  </p:cSld>
+  <p:clrMapOvr>
+    <a:masterClrMapping/>
+  </p:clrMapOvr>
+</p:sld>
+</file>
+
+<file path=ppt/slides/slide48.xml><?xml version="1.0" encoding="utf-8"?>
+<p:sld xmlns:a="http://schemas.openxmlformats.org/drawingml/2006/main" xmlns:r="http://schemas.openxmlformats.org/officeDocument/2006/relationships" xmlns:p="http://schemas.openxmlformats.org/presentationml/2006/main">
+  <p:cSld>
+    <p:spTree>
+      <p:nvGrpSpPr>
+        <p:cNvPr id="1" name=""/>
+        <p:cNvGrpSpPr/>
+        <p:nvPr/>
+      </p:nvGrpSpPr>
+      <p:grpSpPr>
+        <a:xfrm>
+          <a:off x="0" y="0"/>
+          <a:ext cx="0" cy="0"/>
+          <a:chOff x="0" y="0"/>
+          <a:chExt cx="0" cy="0"/>
+        </a:xfrm>
+      </p:grpSpPr>
+      <p:sp>
+        <p:nvSpPr>
+          <p:cNvPr id="2" name="標題 1"/>
+          <p:cNvSpPr>
+            <a:spLocks noGrp="1"/>
+          </p:cNvSpPr>
+          <p:nvPr>
+            <p:ph type="ctrTitle"/>
+          </p:nvPr>
+        </p:nvSpPr>
+        <p:spPr>
+          <a:xfrm>
+            <a:off x="0" y="1"/>
+            <a:ext cx="9144000" cy="764704"/>
+          </a:xfrm>
+          <a:gradFill flip="none" rotWithShape="1">
+            <a:gsLst>
+              <a:gs pos="0">
+                <a:srgbClr val="C00000">
+                  <a:shade val="30000"/>
+                  <a:satMod val="115000"/>
+                </a:srgbClr>
+              </a:gs>
+              <a:gs pos="50000">
+                <a:srgbClr val="C00000">
+                  <a:shade val="67500"/>
+                  <a:satMod val="115000"/>
+                </a:srgbClr>
+              </a:gs>
+              <a:gs pos="100000">
+                <a:srgbClr val="C00000">
+                  <a:shade val="100000"/>
+                  <a:satMod val="115000"/>
+                </a:srgbClr>
+              </a:gs>
+            </a:gsLst>
+            <a:path path="circle">
+              <a:fillToRect t="100000" r="100000"/>
+            </a:path>
+            <a:tileRect l="-100000" b="-100000"/>
+          </a:gradFill>
+        </p:spPr>
+        <p:txBody>
+          <a:bodyPr>
+            <a:normAutofit/>
+          </a:bodyPr>
+          <a:lstStyle/>
+          <a:p>
+            <a:pPr algn="l"/>
+            <a:r>
+              <a:rPr lang="en-US" altLang="zh-TW" b="1" dirty="0">
+                <a:solidFill>
+                  <a:srgbClr val="FFFF00"/>
+                </a:solidFill>
+              </a:rPr>
+              <a:t>18.10 Quiz</a:t>
+            </a:r>
+            <a:endParaRPr lang="zh-TW" altLang="en-US" b="1" dirty="0">
+              <a:solidFill>
+                <a:srgbClr val="FFFF00"/>
+              </a:solidFill>
+            </a:endParaRPr>
+          </a:p>
+        </p:txBody>
+      </p:sp>
+      <p:sp>
+        <p:nvSpPr>
+          <p:cNvPr id="3" name="副標題 2"/>
+          <p:cNvSpPr>
+            <a:spLocks noGrp="1"/>
+          </p:cNvSpPr>
+          <p:nvPr>
+            <p:ph type="subTitle" idx="1"/>
+          </p:nvPr>
+        </p:nvSpPr>
+        <p:spPr>
+          <a:xfrm>
+            <a:off x="486860" y="1340767"/>
+            <a:ext cx="1420844" cy="360040"/>
+          </a:xfrm>
+          <a:ln>
+            <a:solidFill>
+              <a:srgbClr val="C00000"/>
+            </a:solidFill>
+          </a:ln>
+        </p:spPr>
+        <p:txBody>
+          <a:bodyPr>
+            <a:noAutofit/>
+          </a:bodyPr>
+          <a:lstStyle/>
+          <a:p>
+            <a:pPr marL="342900" indent="-342900" algn="l">
+              <a:buClr>
+                <a:srgbClr val="0070C0"/>
+              </a:buClr>
+              <a:buSzPct val="80000"/>
+              <a:buFont typeface="Wingdings" pitchFamily="2" charset="2"/>
+              <a:buChar char="u"/>
+            </a:pPr>
+            <a:r>
+              <a:rPr lang="en-US" sz="1800" b="1" dirty="0">
+                <a:solidFill>
+                  <a:schemeClr val="tx1"/>
+                </a:solidFill>
+              </a:rPr>
+              <a:t>Quiz</a:t>
+            </a:r>
+          </a:p>
+        </p:txBody>
+      </p:sp>
+      <p:sp>
+        <p:nvSpPr>
+          <p:cNvPr id="4" name="標題 1"/>
+          <p:cNvSpPr txBox="1">
+            <a:spLocks/>
+          </p:cNvSpPr>
+          <p:nvPr/>
+        </p:nvSpPr>
+        <p:spPr>
+          <a:xfrm>
+            <a:off x="0" y="764704"/>
+            <a:ext cx="9144000" cy="360040"/>
+          </a:xfrm>
+          <a:prstGeom prst="rect">
+            <a:avLst/>
+          </a:prstGeom>
+          <a:gradFill flip="none" rotWithShape="1">
+            <a:gsLst>
+              <a:gs pos="0">
+                <a:srgbClr val="00B0F0">
+                  <a:shade val="30000"/>
+                  <a:satMod val="115000"/>
+                </a:srgbClr>
+              </a:gs>
+              <a:gs pos="50000">
+                <a:srgbClr val="00B0F0">
+                  <a:shade val="67500"/>
+                  <a:satMod val="115000"/>
+                </a:srgbClr>
+              </a:gs>
+              <a:gs pos="100000">
+                <a:srgbClr val="00B0F0">
+                  <a:shade val="100000"/>
+                  <a:satMod val="115000"/>
+                </a:srgbClr>
+              </a:gs>
+            </a:gsLst>
+            <a:path path="circle">
+              <a:fillToRect t="100000" r="100000"/>
+            </a:path>
+            <a:tileRect l="-100000" b="-100000"/>
+          </a:gradFill>
+        </p:spPr>
+        <p:txBody>
+          <a:bodyPr vert="horz" lIns="91440" tIns="45720" rIns="91440" bIns="45720" rtlCol="0" anchor="ctr">
+            <a:normAutofit/>
+          </a:bodyPr>
+          <a:lstStyle/>
+          <a:p>
+            <a:pPr lvl="0">
+              <a:spcBef>
+                <a:spcPct val="0"/>
+              </a:spcBef>
+            </a:pPr>
+            <a:r>
+              <a:rPr lang="en-US" sz="1600" dirty="0">
+                <a:hlinkClick r:id="rId2"/>
+              </a:rPr>
+              <a:t>https://www.youtube.com/watch?v=IKOHHItzukk&amp;list=PLZbbT5o_s2xrfNyHZsM6ufI0iZENK9xgG&amp;index=18</a:t>
+            </a:r>
+            <a:endParaRPr kumimoji="0" lang="zh-TW" altLang="en-US" sz="1600" b="0" i="0" u="none" strike="noStrike" kern="1200" cap="none" spc="0" normalizeH="0" baseline="0" noProof="0" dirty="0">
+              <a:ln>
+                <a:noFill/>
+              </a:ln>
+              <a:solidFill>
+                <a:schemeClr val="tx1"/>
+              </a:solidFill>
+              <a:effectLst/>
+              <a:uLnTx/>
+              <a:uFillTx/>
+              <a:latin typeface="+mj-lt"/>
+              <a:ea typeface="+mj-ea"/>
+              <a:cs typeface="+mj-cs"/>
+            </a:endParaRPr>
+          </a:p>
+        </p:txBody>
+      </p:sp>
+      <p:sp>
+        <p:nvSpPr>
+          <p:cNvPr id="5" name="日期版面配置區 4"/>
+          <p:cNvSpPr>
+            <a:spLocks noGrp="1"/>
+          </p:cNvSpPr>
+          <p:nvPr>
+            <p:ph type="dt" sz="half" idx="10"/>
+          </p:nvPr>
+        </p:nvSpPr>
+        <p:spPr/>
+        <p:txBody>
+          <a:bodyPr/>
+          <a:lstStyle/>
+          <a:p>
+            <a:fld id="{A4F910E6-8D00-4BAF-8C48-9688E0B449D3}" type="datetime1">
+              <a:rPr lang="zh-TW" altLang="en-US" smtClean="0"/>
+              <a:pPr/>
+              <a:t>2020/5/30</a:t>
+            </a:fld>
+            <a:endParaRPr lang="zh-TW" altLang="en-US"/>
+          </a:p>
+        </p:txBody>
+      </p:sp>
+      <p:sp>
+        <p:nvSpPr>
+          <p:cNvPr id="6" name="投影片編號版面配置區 5"/>
+          <p:cNvSpPr>
+            <a:spLocks noGrp="1"/>
+          </p:cNvSpPr>
+          <p:nvPr>
+            <p:ph type="sldNum" sz="quarter" idx="12"/>
+          </p:nvPr>
+        </p:nvSpPr>
+        <p:spPr/>
+        <p:txBody>
+          <a:bodyPr/>
+          <a:lstStyle/>
+          <a:p>
+            <a:fld id="{E4D7E63D-91F2-4366-A2C4-1B00C9E2590E}" type="slidenum">
+              <a:rPr lang="zh-TW" altLang="en-US" smtClean="0"/>
+              <a:pPr/>
+              <a:t>48</a:t>
+            </a:fld>
+            <a:endParaRPr lang="zh-TW" altLang="en-US"/>
+          </a:p>
+        </p:txBody>
+      </p:sp>
+      <p:pic>
+        <p:nvPicPr>
+          <p:cNvPr id="7" name="Picture 6">
+            <a:extLst>
+              <a:ext uri="{FF2B5EF4-FFF2-40B4-BE49-F238E27FC236}">
+                <a16:creationId xmlns:a16="http://schemas.microsoft.com/office/drawing/2014/main" id="{BAC018EA-BBDE-482C-A580-B2EACD3475B9}"/>
+              </a:ext>
+            </a:extLst>
+          </p:cNvPr>
+          <p:cNvPicPr>
+            <a:picLocks noChangeAspect="1"/>
+          </p:cNvPicPr>
+          <p:nvPr/>
+        </p:nvPicPr>
+        <p:blipFill>
+          <a:blip r:embed="rId3"/>
+          <a:stretch>
+            <a:fillRect/>
+          </a:stretch>
+        </p:blipFill>
+        <p:spPr>
+          <a:xfrm>
+            <a:off x="2051720" y="1132435"/>
+            <a:ext cx="6924675" cy="5448300"/>
+          </a:xfrm>
+          <a:prstGeom prst="rect">
+            <a:avLst/>
+          </a:prstGeom>
+          <a:ln>
+            <a:solidFill>
+              <a:srgbClr val="C00000"/>
+            </a:solidFill>
+          </a:ln>
+        </p:spPr>
+      </p:pic>
+    </p:spTree>
+    <p:extLst>
+      <p:ext uri="{BB962C8B-B14F-4D97-AF65-F5344CB8AC3E}">
+        <p14:creationId xmlns:p14="http://schemas.microsoft.com/office/powerpoint/2010/main" val="3117758385"/>
+      </p:ext>
+    </p:extLst>
+  </p:cSld>
+  <p:clrMapOvr>
+    <a:masterClrMapping/>
+  </p:clrMapOvr>
+</p:sld>
+</file>
+
+<file path=ppt/slides/slide49.xml><?xml version="1.0" encoding="utf-8"?>
+<p:sld xmlns:a="http://schemas.openxmlformats.org/drawingml/2006/main" xmlns:r="http://schemas.openxmlformats.org/officeDocument/2006/relationships" xmlns:p="http://schemas.openxmlformats.org/presentationml/2006/main">
+  <p:cSld>
+    <p:spTree>
+      <p:nvGrpSpPr>
+        <p:cNvPr id="1" name=""/>
+        <p:cNvGrpSpPr/>
+        <p:nvPr/>
+      </p:nvGrpSpPr>
+      <p:grpSpPr>
+        <a:xfrm>
+          <a:off x="0" y="0"/>
+          <a:ext cx="0" cy="0"/>
+          <a:chOff x="0" y="0"/>
+          <a:chExt cx="0" cy="0"/>
+        </a:xfrm>
+      </p:grpSpPr>
+      <p:sp>
+        <p:nvSpPr>
+          <p:cNvPr id="2" name="標題 1"/>
+          <p:cNvSpPr>
+            <a:spLocks noGrp="1"/>
+          </p:cNvSpPr>
+          <p:nvPr>
+            <p:ph type="ctrTitle"/>
+          </p:nvPr>
+        </p:nvSpPr>
+        <p:spPr>
+          <a:xfrm>
+            <a:off x="0" y="1"/>
+            <a:ext cx="9144000" cy="764704"/>
+          </a:xfrm>
+          <a:gradFill flip="none" rotWithShape="1">
+            <a:gsLst>
+              <a:gs pos="0">
+                <a:srgbClr val="C00000">
+                  <a:shade val="30000"/>
+                  <a:satMod val="115000"/>
+                </a:srgbClr>
+              </a:gs>
+              <a:gs pos="50000">
+                <a:srgbClr val="C00000">
+                  <a:shade val="67500"/>
+                  <a:satMod val="115000"/>
+                </a:srgbClr>
+              </a:gs>
+              <a:gs pos="100000">
+                <a:srgbClr val="C00000">
+                  <a:shade val="100000"/>
+                  <a:satMod val="115000"/>
+                </a:srgbClr>
+              </a:gs>
+            </a:gsLst>
+            <a:path path="circle">
+              <a:fillToRect t="100000" r="100000"/>
+            </a:path>
+            <a:tileRect l="-100000" b="-100000"/>
+          </a:gradFill>
+        </p:spPr>
+        <p:txBody>
+          <a:bodyPr>
+            <a:normAutofit/>
+          </a:bodyPr>
+          <a:lstStyle/>
+          <a:p>
+            <a:pPr algn="l"/>
+            <a:r>
+              <a:rPr lang="en-US" altLang="zh-TW" b="1" dirty="0">
+                <a:solidFill>
+                  <a:srgbClr val="FFFF00"/>
+                </a:solidFill>
+              </a:rPr>
+              <a:t>18.10 Quiz</a:t>
+            </a:r>
+            <a:endParaRPr lang="zh-TW" altLang="en-US" b="1" dirty="0">
+              <a:solidFill>
+                <a:srgbClr val="FFFF00"/>
+              </a:solidFill>
+            </a:endParaRPr>
+          </a:p>
+        </p:txBody>
+      </p:sp>
+      <p:sp>
+        <p:nvSpPr>
+          <p:cNvPr id="3" name="副標題 2"/>
+          <p:cNvSpPr>
+            <a:spLocks noGrp="1"/>
+          </p:cNvSpPr>
+          <p:nvPr>
+            <p:ph type="subTitle" idx="1"/>
+          </p:nvPr>
+        </p:nvSpPr>
+        <p:spPr>
+          <a:xfrm>
+            <a:off x="486860" y="1340767"/>
+            <a:ext cx="1204820" cy="360040"/>
+          </a:xfrm>
+          <a:ln>
+            <a:solidFill>
+              <a:srgbClr val="C00000"/>
+            </a:solidFill>
+          </a:ln>
+        </p:spPr>
+        <p:txBody>
+          <a:bodyPr>
+            <a:noAutofit/>
+          </a:bodyPr>
+          <a:lstStyle/>
+          <a:p>
+            <a:pPr marL="342900" indent="-342900" algn="l">
+              <a:buClr>
+                <a:srgbClr val="0070C0"/>
+              </a:buClr>
+              <a:buSzPct val="80000"/>
+              <a:buFont typeface="Wingdings" pitchFamily="2" charset="2"/>
+              <a:buChar char="u"/>
+            </a:pPr>
+            <a:r>
+              <a:rPr lang="en-US" sz="1800" b="1" dirty="0">
+                <a:solidFill>
+                  <a:schemeClr val="tx1"/>
+                </a:solidFill>
+              </a:rPr>
+              <a:t>Quiz</a:t>
+            </a:r>
+          </a:p>
+        </p:txBody>
+      </p:sp>
+      <p:sp>
+        <p:nvSpPr>
+          <p:cNvPr id="4" name="標題 1"/>
+          <p:cNvSpPr txBox="1">
+            <a:spLocks/>
+          </p:cNvSpPr>
+          <p:nvPr/>
+        </p:nvSpPr>
+        <p:spPr>
+          <a:xfrm>
+            <a:off x="0" y="764704"/>
+            <a:ext cx="9144000" cy="360040"/>
+          </a:xfrm>
+          <a:prstGeom prst="rect">
+            <a:avLst/>
+          </a:prstGeom>
+          <a:gradFill flip="none" rotWithShape="1">
+            <a:gsLst>
+              <a:gs pos="0">
+                <a:srgbClr val="00B0F0">
+                  <a:shade val="30000"/>
+                  <a:satMod val="115000"/>
+                </a:srgbClr>
+              </a:gs>
+              <a:gs pos="50000">
+                <a:srgbClr val="00B0F0">
+                  <a:shade val="67500"/>
+                  <a:satMod val="115000"/>
+                </a:srgbClr>
+              </a:gs>
+              <a:gs pos="100000">
+                <a:srgbClr val="00B0F0">
+                  <a:shade val="100000"/>
+                  <a:satMod val="115000"/>
+                </a:srgbClr>
+              </a:gs>
+            </a:gsLst>
+            <a:path path="circle">
+              <a:fillToRect t="100000" r="100000"/>
+            </a:path>
+            <a:tileRect l="-100000" b="-100000"/>
+          </a:gradFill>
+        </p:spPr>
+        <p:txBody>
+          <a:bodyPr vert="horz" lIns="91440" tIns="45720" rIns="91440" bIns="45720" rtlCol="0" anchor="ctr">
+            <a:normAutofit/>
+          </a:bodyPr>
+          <a:lstStyle/>
+          <a:p>
+            <a:pPr lvl="0">
+              <a:spcBef>
+                <a:spcPct val="0"/>
+              </a:spcBef>
+            </a:pPr>
+            <a:r>
+              <a:rPr lang="en-US" sz="1600" dirty="0">
+                <a:hlinkClick r:id="rId2"/>
+              </a:rPr>
+              <a:t>https://www.youtube.com/watch?v=IKOHHItzukk&amp;list=PLZbbT5o_s2xrfNyHZsM6ufI0iZENK9xgG&amp;index=18</a:t>
+            </a:r>
+            <a:endParaRPr kumimoji="0" lang="zh-TW" altLang="en-US" sz="1600" b="0" i="0" u="none" strike="noStrike" kern="1200" cap="none" spc="0" normalizeH="0" baseline="0" noProof="0" dirty="0">
+              <a:ln>
+                <a:noFill/>
+              </a:ln>
+              <a:solidFill>
+                <a:schemeClr val="tx1"/>
+              </a:solidFill>
+              <a:effectLst/>
+              <a:uLnTx/>
+              <a:uFillTx/>
+              <a:latin typeface="+mj-lt"/>
+              <a:ea typeface="+mj-ea"/>
+              <a:cs typeface="+mj-cs"/>
+            </a:endParaRPr>
+          </a:p>
+        </p:txBody>
+      </p:sp>
+      <p:sp>
+        <p:nvSpPr>
+          <p:cNvPr id="5" name="日期版面配置區 4"/>
+          <p:cNvSpPr>
+            <a:spLocks noGrp="1"/>
+          </p:cNvSpPr>
+          <p:nvPr>
+            <p:ph type="dt" sz="half" idx="10"/>
+          </p:nvPr>
+        </p:nvSpPr>
+        <p:spPr/>
+        <p:txBody>
+          <a:bodyPr/>
+          <a:lstStyle/>
+          <a:p>
+            <a:fld id="{A4F910E6-8D00-4BAF-8C48-9688E0B449D3}" type="datetime1">
+              <a:rPr lang="zh-TW" altLang="en-US" smtClean="0"/>
+              <a:pPr/>
+              <a:t>2020/5/30</a:t>
+            </a:fld>
+            <a:endParaRPr lang="zh-TW" altLang="en-US"/>
+          </a:p>
+        </p:txBody>
+      </p:sp>
+      <p:sp>
+        <p:nvSpPr>
+          <p:cNvPr id="6" name="投影片編號版面配置區 5"/>
+          <p:cNvSpPr>
+            <a:spLocks noGrp="1"/>
+          </p:cNvSpPr>
+          <p:nvPr>
+            <p:ph type="sldNum" sz="quarter" idx="12"/>
+          </p:nvPr>
+        </p:nvSpPr>
+        <p:spPr/>
+        <p:txBody>
+          <a:bodyPr/>
+          <a:lstStyle/>
+          <a:p>
+            <a:fld id="{E4D7E63D-91F2-4366-A2C4-1B00C9E2590E}" type="slidenum">
+              <a:rPr lang="zh-TW" altLang="en-US" smtClean="0"/>
+              <a:pPr/>
+              <a:t>49</a:t>
+            </a:fld>
+            <a:endParaRPr lang="zh-TW" altLang="en-US"/>
+          </a:p>
+        </p:txBody>
+      </p:sp>
+      <p:pic>
+        <p:nvPicPr>
+          <p:cNvPr id="8" name="Picture 7">
+            <a:extLst>
+              <a:ext uri="{FF2B5EF4-FFF2-40B4-BE49-F238E27FC236}">
+                <a16:creationId xmlns:a16="http://schemas.microsoft.com/office/drawing/2014/main" id="{BB74E602-DB6B-4559-8BCA-B073DC6031B9}"/>
+              </a:ext>
+            </a:extLst>
+          </p:cNvPr>
+          <p:cNvPicPr>
+            <a:picLocks noChangeAspect="1"/>
+          </p:cNvPicPr>
+          <p:nvPr/>
+        </p:nvPicPr>
+        <p:blipFill>
+          <a:blip r:embed="rId3"/>
+          <a:stretch>
+            <a:fillRect/>
+          </a:stretch>
+        </p:blipFill>
+        <p:spPr>
+          <a:xfrm>
+            <a:off x="1907704" y="1340767"/>
+            <a:ext cx="6819900" cy="4962525"/>
+          </a:xfrm>
+          <a:prstGeom prst="rect">
+            <a:avLst/>
+          </a:prstGeom>
+          <a:ln>
+            <a:solidFill>
+              <a:srgbClr val="C00000"/>
+            </a:solidFill>
+          </a:ln>
+        </p:spPr>
+      </p:pic>
+    </p:spTree>
+    <p:extLst>
+      <p:ext uri="{BB962C8B-B14F-4D97-AF65-F5344CB8AC3E}">
+        <p14:creationId xmlns:p14="http://schemas.microsoft.com/office/powerpoint/2010/main" val="3195760079"/>
+      </p:ext>
+    </p:extLst>
+  </p:cSld>
+  <p:clrMapOvr>
+    <a:masterClrMapping/>
+  </p:clrMapOvr>
+</p:sld>
+</file>
+
+<file path=ppt/slides/slide5.xml><?xml version="1.0" encoding="utf-8"?>
+<p:sld xmlns:a="http://schemas.openxmlformats.org/drawingml/2006/main" xmlns:r="http://schemas.openxmlformats.org/officeDocument/2006/relationships" xmlns:p="http://schemas.openxmlformats.org/presentationml/2006/main">
+  <p:cSld>
+    <p:spTree>
+      <p:nvGrpSpPr>
+        <p:cNvPr id="1" name=""/>
+        <p:cNvGrpSpPr/>
+        <p:nvPr/>
+      </p:nvGrpSpPr>
+      <p:grpSpPr>
+        <a:xfrm>
+          <a:off x="0" y="0"/>
+          <a:ext cx="0" cy="0"/>
+          <a:chOff x="0" y="0"/>
+          <a:chExt cx="0" cy="0"/>
+        </a:xfrm>
+      </p:grpSpPr>
+      <p:sp>
+        <p:nvSpPr>
+          <p:cNvPr id="2" name="標題 1"/>
+          <p:cNvSpPr>
+            <a:spLocks noGrp="1"/>
+          </p:cNvSpPr>
+          <p:nvPr>
+            <p:ph type="ctrTitle"/>
+          </p:nvPr>
+        </p:nvSpPr>
+        <p:spPr>
+          <a:xfrm>
+            <a:off x="0" y="2130425"/>
+            <a:ext cx="9144000" cy="1470025"/>
+          </a:xfrm>
+          <a:solidFill>
+            <a:srgbClr val="00B0F0"/>
+          </a:solidFill>
+        </p:spPr>
+        <p:txBody>
+          <a:bodyPr>
+            <a:normAutofit/>
+          </a:bodyPr>
+          <a:lstStyle/>
+          <a:p>
+            <a:r>
+              <a:rPr lang="en-US" altLang="zh-TW" sz="4800" b="1" dirty="0">
+                <a:solidFill>
+                  <a:srgbClr val="FFFF00"/>
+                </a:solidFill>
+              </a:rPr>
+              <a:t>18.1 Define Layers</a:t>
+            </a:r>
+            <a:endParaRPr lang="zh-TW" altLang="en-US" sz="4800" b="1" dirty="0">
+              <a:solidFill>
+                <a:srgbClr val="FFFF00"/>
+              </a:solidFill>
+            </a:endParaRPr>
+          </a:p>
+        </p:txBody>
+      </p:sp>
+      <p:sp>
+        <p:nvSpPr>
+          <p:cNvPr id="5" name="日期版面配置區 4"/>
+          <p:cNvSpPr>
+            <a:spLocks noGrp="1"/>
+          </p:cNvSpPr>
+          <p:nvPr>
+            <p:ph type="dt" sz="half" idx="10"/>
+          </p:nvPr>
+        </p:nvSpPr>
+        <p:spPr/>
+        <p:txBody>
+          <a:bodyPr/>
+          <a:lstStyle/>
+          <a:p>
+            <a:fld id="{C389EDC9-19E3-47AC-9C57-C6A24DEA81AD}" type="datetime1">
+              <a:rPr lang="zh-TW" altLang="en-US" smtClean="0"/>
+              <a:pPr/>
+              <a:t>2020/5/30</a:t>
+            </a:fld>
+            <a:endParaRPr lang="zh-TW" altLang="en-US"/>
+          </a:p>
+        </p:txBody>
+      </p:sp>
+      <p:sp>
+        <p:nvSpPr>
+          <p:cNvPr id="6" name="投影片編號版面配置區 5"/>
+          <p:cNvSpPr>
+            <a:spLocks noGrp="1"/>
+          </p:cNvSpPr>
+          <p:nvPr>
+            <p:ph type="sldNum" sz="quarter" idx="12"/>
+          </p:nvPr>
+        </p:nvSpPr>
+        <p:spPr/>
+        <p:txBody>
+          <a:bodyPr/>
+          <a:lstStyle/>
+          <a:p>
+            <a:fld id="{E4D7E63D-91F2-4366-A2C4-1B00C9E2590E}" type="slidenum">
+              <a:rPr lang="zh-TW" altLang="en-US" smtClean="0"/>
+              <a:pPr/>
+              <a:t>5</a:t>
+            </a:fld>
+            <a:endParaRPr lang="zh-TW" altLang="en-US"/>
+          </a:p>
+        </p:txBody>
+      </p:sp>
+      <p:pic>
+        <p:nvPicPr>
+          <p:cNvPr id="7" name="Picture 6">
+            <a:extLst>
+              <a:ext uri="{FF2B5EF4-FFF2-40B4-BE49-F238E27FC236}">
+                <a16:creationId xmlns:a16="http://schemas.microsoft.com/office/drawing/2014/main" id="{6036082F-9FF3-4FD3-AAB6-79929EA80D69}"/>
+              </a:ext>
+            </a:extLst>
+          </p:cNvPr>
+          <p:cNvPicPr>
+            <a:picLocks noChangeAspect="1"/>
+          </p:cNvPicPr>
+          <p:nvPr/>
+        </p:nvPicPr>
+        <p:blipFill>
+          <a:blip r:embed="rId2"/>
+          <a:stretch>
+            <a:fillRect/>
+          </a:stretch>
+        </p:blipFill>
+        <p:spPr>
+          <a:xfrm>
+            <a:off x="3995936" y="3646102"/>
+            <a:ext cx="833859" cy="989784"/>
+          </a:xfrm>
+          <a:prstGeom prst="rect">
+            <a:avLst/>
+          </a:prstGeom>
+        </p:spPr>
+      </p:pic>
+    </p:spTree>
+    <p:extLst>
+      <p:ext uri="{BB962C8B-B14F-4D97-AF65-F5344CB8AC3E}">
+        <p14:creationId xmlns:p14="http://schemas.microsoft.com/office/powerpoint/2010/main" val="1633334269"/>
+      </p:ext>
+    </p:extLst>
+  </p:cSld>
+  <p:clrMapOvr>
+    <a:masterClrMapping/>
+  </p:clrMapOvr>
+</p:sld>
+</file>
+
+<file path=ppt/slides/slide50.xml><?xml version="1.0" encoding="utf-8"?>
+<p:sld xmlns:a="http://schemas.openxmlformats.org/drawingml/2006/main" xmlns:r="http://schemas.openxmlformats.org/officeDocument/2006/relationships" xmlns:p="http://schemas.openxmlformats.org/presentationml/2006/main">
+  <p:cSld>
+    <p:spTree>
+      <p:nvGrpSpPr>
+        <p:cNvPr id="1" name=""/>
+        <p:cNvGrpSpPr/>
+        <p:nvPr/>
+      </p:nvGrpSpPr>
+      <p:grpSpPr>
+        <a:xfrm>
+          <a:off x="0" y="0"/>
+          <a:ext cx="0" cy="0"/>
+          <a:chOff x="0" y="0"/>
+          <a:chExt cx="0" cy="0"/>
+        </a:xfrm>
+      </p:grpSpPr>
+      <p:sp>
+        <p:nvSpPr>
+          <p:cNvPr id="2" name="標題 1"/>
+          <p:cNvSpPr>
+            <a:spLocks noGrp="1"/>
+          </p:cNvSpPr>
+          <p:nvPr>
+            <p:ph type="ctrTitle"/>
+          </p:nvPr>
+        </p:nvSpPr>
+        <p:spPr>
+          <a:xfrm>
+            <a:off x="0" y="2130425"/>
+            <a:ext cx="9144000" cy="1470025"/>
+          </a:xfrm>
+          <a:gradFill flip="none" rotWithShape="1">
+            <a:gsLst>
+              <a:gs pos="0">
+                <a:srgbClr val="00B0F0">
+                  <a:shade val="30000"/>
+                  <a:satMod val="115000"/>
+                </a:srgbClr>
+              </a:gs>
+              <a:gs pos="50000">
+                <a:srgbClr val="00B0F0">
+                  <a:shade val="67500"/>
+                  <a:satMod val="115000"/>
+                </a:srgbClr>
+              </a:gs>
+              <a:gs pos="100000">
+                <a:srgbClr val="00B0F0">
+                  <a:shade val="100000"/>
+                  <a:satMod val="115000"/>
+                </a:srgbClr>
+              </a:gs>
+            </a:gsLst>
+            <a:path path="circle">
+              <a:fillToRect t="100000" r="100000"/>
+            </a:path>
+            <a:tileRect l="-100000" b="-100000"/>
+          </a:gradFill>
+        </p:spPr>
+        <p:txBody>
+          <a:bodyPr>
+            <a:normAutofit/>
+          </a:bodyPr>
+          <a:lstStyle/>
+          <a:p>
+            <a:r>
+              <a:rPr lang="en-US" altLang="zh-TW" sz="6000" b="1" dirty="0">
+                <a:solidFill>
+                  <a:srgbClr val="FFFF00"/>
+                </a:solidFill>
+              </a:rPr>
+              <a:t>End of Chapter</a:t>
+            </a:r>
+            <a:endParaRPr lang="zh-TW" altLang="en-US" sz="6000" b="1" dirty="0">
+              <a:solidFill>
+                <a:srgbClr val="FFFF00"/>
+              </a:solidFill>
+            </a:endParaRPr>
+          </a:p>
+        </p:txBody>
+      </p:sp>
+      <p:sp>
+        <p:nvSpPr>
+          <p:cNvPr id="5" name="日期版面配置區 4"/>
+          <p:cNvSpPr>
+            <a:spLocks noGrp="1"/>
+          </p:cNvSpPr>
+          <p:nvPr>
+            <p:ph type="dt" sz="half" idx="10"/>
+          </p:nvPr>
+        </p:nvSpPr>
+        <p:spPr/>
+        <p:txBody>
+          <a:bodyPr/>
+          <a:lstStyle/>
+          <a:p>
+            <a:fld id="{4E46BE27-E923-4EC2-B046-3272AE2A3E5C}" type="datetime1">
+              <a:rPr lang="zh-TW" altLang="en-US" smtClean="0"/>
+              <a:pPr/>
+              <a:t>2020/5/30</a:t>
+            </a:fld>
+            <a:endParaRPr lang="zh-TW" altLang="en-US"/>
+          </a:p>
+        </p:txBody>
+      </p:sp>
+      <p:sp>
+        <p:nvSpPr>
+          <p:cNvPr id="6" name="投影片編號版面配置區 5"/>
+          <p:cNvSpPr>
+            <a:spLocks noGrp="1"/>
+          </p:cNvSpPr>
+          <p:nvPr>
+            <p:ph type="sldNum" sz="quarter" idx="12"/>
+          </p:nvPr>
+        </p:nvSpPr>
+        <p:spPr/>
+        <p:txBody>
+          <a:bodyPr/>
+          <a:lstStyle/>
+          <a:p>
+            <a:fld id="{E4D7E63D-91F2-4366-A2C4-1B00C9E2590E}" type="slidenum">
+              <a:rPr lang="zh-TW" altLang="en-US" smtClean="0"/>
+              <a:pPr/>
+              <a:t>50</a:t>
+            </a:fld>
+            <a:endParaRPr lang="zh-TW" altLang="en-US"/>
+          </a:p>
+        </p:txBody>
+      </p:sp>
+    </p:spTree>
+  </p:cSld>
+  <p:clrMapOvr>
+    <a:masterClrMapping/>
+  </p:clrMapOvr>
+</p:sld>
+</file>
+
+<file path=ppt/slides/slide6.xml><?xml version="1.0" encoding="utf-8"?>
+<p:sld xmlns:a="http://schemas.openxmlformats.org/drawingml/2006/main" xmlns:r="http://schemas.openxmlformats.org/officeDocument/2006/relationships" xmlns:p="http://schemas.openxmlformats.org/presentationml/2006/main">
+  <p:cSld>
+    <p:spTree>
+      <p:nvGrpSpPr>
+        <p:cNvPr id="1" name=""/>
+        <p:cNvGrpSpPr/>
+        <p:nvPr/>
+      </p:nvGrpSpPr>
+      <p:grpSpPr>
+        <a:xfrm>
+          <a:off x="0" y="0"/>
+          <a:ext cx="0" cy="0"/>
+          <a:chOff x="0" y="0"/>
+          <a:chExt cx="0" cy="0"/>
+        </a:xfrm>
+      </p:grpSpPr>
+      <p:sp>
+        <p:nvSpPr>
+          <p:cNvPr id="2" name="標題 1"/>
+          <p:cNvSpPr>
+            <a:spLocks noGrp="1"/>
+          </p:cNvSpPr>
+          <p:nvPr>
+            <p:ph type="ctrTitle"/>
+          </p:nvPr>
+        </p:nvSpPr>
+        <p:spPr>
+          <a:xfrm>
+            <a:off x="0" y="1"/>
+            <a:ext cx="9144000" cy="764704"/>
+          </a:xfrm>
+          <a:gradFill flip="none" rotWithShape="1">
+            <a:gsLst>
+              <a:gs pos="0">
+                <a:srgbClr val="C00000">
+                  <a:shade val="30000"/>
+                  <a:satMod val="115000"/>
+                </a:srgbClr>
+              </a:gs>
+              <a:gs pos="50000">
+                <a:srgbClr val="C00000">
+                  <a:shade val="67500"/>
+                  <a:satMod val="115000"/>
+                </a:srgbClr>
+              </a:gs>
+              <a:gs pos="100000">
+                <a:srgbClr val="C00000">
+                  <a:shade val="100000"/>
+                  <a:satMod val="115000"/>
+                </a:srgbClr>
+              </a:gs>
+            </a:gsLst>
+            <a:path path="circle">
+              <a:fillToRect t="100000" r="100000"/>
+            </a:path>
+            <a:tileRect l="-100000" b="-100000"/>
+          </a:gradFill>
+        </p:spPr>
+        <p:txBody>
+          <a:bodyPr>
+            <a:normAutofit/>
+          </a:bodyPr>
+          <a:lstStyle/>
+          <a:p>
+            <a:pPr algn="l"/>
+            <a:r>
+              <a:rPr lang="en-US" altLang="zh-TW" b="1" dirty="0">
+                <a:solidFill>
+                  <a:srgbClr val="FFFF00"/>
+                </a:solidFill>
+              </a:rPr>
+              <a:t>18 Deep CNN (Part 2)</a:t>
+            </a:r>
+            <a:endParaRPr lang="zh-TW" altLang="en-US" b="1" dirty="0">
+              <a:solidFill>
+                <a:srgbClr val="FFFF00"/>
+              </a:solidFill>
+            </a:endParaRPr>
+          </a:p>
+        </p:txBody>
+      </p:sp>
+      <p:sp>
+        <p:nvSpPr>
+          <p:cNvPr id="3" name="副標題 2"/>
+          <p:cNvSpPr>
+            <a:spLocks noGrp="1"/>
+          </p:cNvSpPr>
+          <p:nvPr>
+            <p:ph type="subTitle" idx="1"/>
+          </p:nvPr>
+        </p:nvSpPr>
+        <p:spPr>
+          <a:xfrm>
+            <a:off x="457200" y="1325450"/>
+            <a:ext cx="8352928" cy="717377"/>
+          </a:xfrm>
+          <a:ln>
+            <a:solidFill>
+              <a:srgbClr val="C00000"/>
+            </a:solidFill>
+          </a:ln>
+        </p:spPr>
+        <p:txBody>
+          <a:bodyPr>
+            <a:noAutofit/>
+          </a:bodyPr>
+          <a:lstStyle/>
+          <a:p>
+            <a:pPr marL="342900" indent="-342900" algn="l">
+              <a:buClr>
+                <a:srgbClr val="0070C0"/>
+              </a:buClr>
+              <a:buSzPct val="80000"/>
+              <a:buFont typeface="Wingdings" pitchFamily="2" charset="2"/>
+              <a:buChar char="u"/>
+            </a:pPr>
+            <a:r>
+              <a:rPr lang="en-US" sz="1800" b="1" dirty="0">
+                <a:solidFill>
+                  <a:schemeClr val="tx1"/>
+                </a:solidFill>
+              </a:rPr>
+              <a:t>Build CNN</a:t>
+            </a:r>
+          </a:p>
+          <a:p>
+            <a:pPr marL="342900" indent="-342900" algn="l">
+              <a:buClr>
+                <a:srgbClr val="0070C0"/>
+              </a:buClr>
+              <a:buSzPct val="80000"/>
+              <a:buFont typeface="Wingdings" pitchFamily="2" charset="2"/>
+              <a:buChar char="u"/>
+            </a:pPr>
+            <a:r>
+              <a:rPr lang="en-US" sz="1800" dirty="0">
+                <a:solidFill>
+                  <a:schemeClr val="tx1"/>
+                </a:solidFill>
+              </a:rPr>
+              <a:t>In torch/</a:t>
+            </a:r>
+            <a:r>
+              <a:rPr lang="en-US" sz="1800" dirty="0" err="1">
+                <a:solidFill>
+                  <a:schemeClr val="tx1"/>
+                </a:solidFill>
+              </a:rPr>
+              <a:t>nn</a:t>
+            </a:r>
+            <a:r>
+              <a:rPr lang="en-US" sz="1800" dirty="0">
+                <a:solidFill>
+                  <a:schemeClr val="tx1"/>
+                </a:solidFill>
+              </a:rPr>
+              <a:t>/modules/linear.py:</a:t>
+            </a:r>
+          </a:p>
+        </p:txBody>
+      </p:sp>
+      <p:sp>
+        <p:nvSpPr>
+          <p:cNvPr id="4" name="標題 1"/>
+          <p:cNvSpPr txBox="1">
+            <a:spLocks/>
+          </p:cNvSpPr>
+          <p:nvPr/>
+        </p:nvSpPr>
+        <p:spPr>
+          <a:xfrm>
+            <a:off x="0" y="764704"/>
+            <a:ext cx="9144000" cy="360040"/>
+          </a:xfrm>
+          <a:prstGeom prst="rect">
+            <a:avLst/>
+          </a:prstGeom>
+          <a:gradFill flip="none" rotWithShape="1">
+            <a:gsLst>
+              <a:gs pos="0">
+                <a:srgbClr val="00B0F0">
+                  <a:shade val="30000"/>
+                  <a:satMod val="115000"/>
+                </a:srgbClr>
+              </a:gs>
+              <a:gs pos="50000">
+                <a:srgbClr val="00B0F0">
+                  <a:shade val="67500"/>
+                  <a:satMod val="115000"/>
+                </a:srgbClr>
+              </a:gs>
+              <a:gs pos="100000">
+                <a:srgbClr val="00B0F0">
+                  <a:shade val="100000"/>
+                  <a:satMod val="115000"/>
+                </a:srgbClr>
+              </a:gs>
+            </a:gsLst>
+            <a:path path="circle">
+              <a:fillToRect t="100000" r="100000"/>
+            </a:path>
+            <a:tileRect l="-100000" b="-100000"/>
+          </a:gradFill>
+        </p:spPr>
+        <p:txBody>
+          <a:bodyPr vert="horz" lIns="91440" tIns="45720" rIns="91440" bIns="45720" rtlCol="0" anchor="ctr">
+            <a:normAutofit/>
+          </a:bodyPr>
+          <a:lstStyle/>
+          <a:p>
+            <a:pPr lvl="0">
+              <a:spcBef>
+                <a:spcPct val="0"/>
+              </a:spcBef>
+            </a:pPr>
+            <a:r>
+              <a:rPr lang="en-US" sz="1600" dirty="0">
+                <a:hlinkClick r:id="rId2"/>
+              </a:rPr>
+              <a:t>https://www.youtube.com/watch?v=IKOHHItzukk&amp;list=PLZbbT5o_s2xrfNyHZsM6ufI0iZENK9xgG&amp;index=18</a:t>
+            </a:r>
+            <a:endParaRPr kumimoji="0" lang="zh-TW" altLang="en-US" sz="1600" b="0" i="0" u="none" strike="noStrike" kern="1200" cap="none" spc="0" normalizeH="0" baseline="0" noProof="0" dirty="0">
+              <a:ln>
+                <a:noFill/>
+              </a:ln>
+              <a:solidFill>
+                <a:schemeClr val="tx1"/>
+              </a:solidFill>
+              <a:effectLst/>
+              <a:uLnTx/>
+              <a:uFillTx/>
+              <a:latin typeface="+mj-lt"/>
+              <a:ea typeface="+mj-ea"/>
+              <a:cs typeface="+mj-cs"/>
+            </a:endParaRPr>
+          </a:p>
+        </p:txBody>
+      </p:sp>
+      <p:sp>
+        <p:nvSpPr>
+          <p:cNvPr id="5" name="日期版面配置區 4"/>
+          <p:cNvSpPr>
+            <a:spLocks noGrp="1"/>
+          </p:cNvSpPr>
+          <p:nvPr>
+            <p:ph type="dt" sz="half" idx="10"/>
+          </p:nvPr>
+        </p:nvSpPr>
+        <p:spPr/>
+        <p:txBody>
+          <a:bodyPr/>
+          <a:lstStyle/>
+          <a:p>
+            <a:fld id="{A4F910E6-8D00-4BAF-8C48-9688E0B449D3}" type="datetime1">
+              <a:rPr lang="zh-TW" altLang="en-US" smtClean="0"/>
+              <a:pPr/>
+              <a:t>2020/5/30</a:t>
             </a:fld>
             <a:endParaRPr lang="zh-TW" altLang="en-US"/>
           </a:p>
@@ -22751,7 +24109,7 @@
             <a:fld id="{C389EDC9-19E3-47AC-9C57-C6A24DEA81AD}" type="datetime1">
               <a:rPr lang="zh-TW" altLang="en-US" smtClean="0"/>
               <a:pPr/>
-              <a:t>2020/5/29</a:t>
+              <a:t>2020/5/30</a:t>
             </a:fld>
             <a:endParaRPr lang="zh-TW" altLang="en-US"/>
           </a:p>
@@ -23081,7 +24439,7 @@
             <a:fld id="{A4F910E6-8D00-4BAF-8C48-9688E0B449D3}" type="datetime1">
               <a:rPr lang="zh-TW" altLang="en-US" smtClean="0"/>
               <a:pPr/>
-              <a:t>2020/5/29</a:t>
+              <a:t>2020/5/30</a:t>
             </a:fld>
             <a:endParaRPr lang="zh-TW" altLang="en-US"/>
           </a:p>
@@ -23572,7 +24930,7 @@
             <a:fld id="{C389EDC9-19E3-47AC-9C57-C6A24DEA81AD}" type="datetime1">
               <a:rPr lang="zh-TW" altLang="en-US" smtClean="0"/>
               <a:pPr/>
-              <a:t>2020/5/29</a:t>
+              <a:t>2020/5/30</a:t>
             </a:fld>
             <a:endParaRPr lang="zh-TW" altLang="en-US"/>
           </a:p>
